--- a/spring13/slides13/ran-vars-binomial.pptx
+++ b/spring13/slides13/ran-vars-binomial.pptx
@@ -4058,7 +4058,7 @@
           <a:p>
             <a:pPr algn="ctr" eaLnBrk="1" hangingPunct="1"/>
             <a:r>
-              <a:rPr lang="en-US" sz="4400" dirty="0" err="1" smtClean="0">
+              <a:rPr lang="en-US" sz="4400" dirty="0" smtClean="0">
                 <a:solidFill>
                   <a:srgbClr val="9B2894"/>
                 </a:solidFill>
@@ -4066,7 +4066,7 @@
               <a:t>PDF</a:t>
             </a:r>
             <a:r>
-              <a:rPr lang="en-US" sz="4400" baseline="-25000" dirty="0" err="1" smtClean="0">
+              <a:rPr lang="en-US" sz="4400" baseline="-25000" dirty="0" smtClean="0">
                 <a:solidFill>
                   <a:srgbClr val="3333FF"/>
                 </a:solidFill>
@@ -4074,11 +4074,11 @@
               <a:t>R</a:t>
             </a:r>
             <a:r>
-              <a:rPr lang="en-US" sz="4400" dirty="0" err="1" smtClean="0"/>
+              <a:rPr lang="en-US" sz="4400" dirty="0" smtClean="0"/>
               <a:t>(</a:t>
             </a:r>
             <a:r>
-              <a:rPr lang="en-US" sz="4400" dirty="0" err="1" smtClean="0">
+              <a:rPr lang="en-US" sz="4400" dirty="0" smtClean="0">
                 <a:solidFill>
                   <a:srgbClr val="3333FF"/>
                 </a:solidFill>
@@ -4106,10 +4106,14 @@
             </a:r>
             <a:r>
               <a:rPr lang="en-US" sz="4400" dirty="0" err="1" smtClean="0"/>
-              <a:t>Pr{</a:t>
-            </a:r>
-            <a:r>
-              <a:rPr lang="en-US" sz="4400" dirty="0" err="1" smtClean="0">
+              <a:t>Pr</a:t>
+            </a:r>
+            <a:r>
+              <a:rPr lang="en-US" sz="4400" dirty="0" smtClean="0"/>
+              <a:t>[</a:t>
+            </a:r>
+            <a:r>
+              <a:rPr lang="en-US" sz="4400" dirty="0" smtClean="0">
                 <a:solidFill>
                   <a:srgbClr val="3333FF"/>
                 </a:solidFill>
@@ -4130,8 +4134,9 @@
             </a:r>
             <a:r>
               <a:rPr lang="en-US" sz="4400" dirty="0" smtClean="0"/>
-              <a:t>}</a:t>
-            </a:r>
+              <a:t>]</a:t>
+            </a:r>
+            <a:endParaRPr lang="en-US" sz="4400" dirty="0" smtClean="0"/>
           </a:p>
           <a:p>
             <a:pPr eaLnBrk="1" hangingPunct="1"/>
@@ -4215,7 +4220,7 @@
             </a:r>
             <a:r>
               <a:rPr lang="en-US" sz="4400" dirty="0" smtClean="0"/>
-              <a:t>{</a:t>
+              <a:t>[</a:t>
             </a:r>
             <a:r>
               <a:rPr lang="en-US" sz="4400" dirty="0" smtClean="0">
@@ -4251,8 +4256,9 @@
             </a:r>
             <a:r>
               <a:rPr lang="en-US" sz="4400" dirty="0" smtClean="0"/>
-              <a:t>}</a:t>
-            </a:r>
+              <a:t>]</a:t>
+            </a:r>
+            <a:endParaRPr lang="en-US" sz="4400" dirty="0" smtClean="0"/>
           </a:p>
         </p:txBody>
       </p:sp>
@@ -4536,55 +4542,39 @@
                   <a:srgbClr val="9B2894"/>
                 </a:solidFill>
               </a:rPr>
-              <a:t>Probability </a:t>
+              <a:t>Probability Density</a:t>
             </a:r>
             <a:r>
               <a:rPr lang="en-US" sz="4800" dirty="0" smtClean="0">
                 <a:solidFill>
+                  <a:srgbClr val="0000FF"/>
+                </a:solidFill>
+              </a:rPr>
+              <a:t> </a:t>
+            </a:r>
+            <a:r>
+              <a:rPr lang="en-US" sz="4800" dirty="0" smtClean="0">
+                <a:solidFill>
+                  <a:schemeClr val="tx2"/>
+                </a:solidFill>
+              </a:rPr>
+              <a:t>&amp;</a:t>
+            </a:r>
+            <a:r>
+              <a:rPr lang="en-US" sz="4800" dirty="0" smtClean="0">
+                <a:solidFill>
+                  <a:srgbClr val="0000FF"/>
+                </a:solidFill>
+              </a:rPr>
+              <a:t> </a:t>
+            </a:r>
+            <a:r>
+              <a:rPr lang="en-US" sz="4800" dirty="0" smtClean="0">
+                <a:solidFill>
                   <a:srgbClr val="9B2894"/>
                 </a:solidFill>
               </a:rPr>
-              <a:t>Density</a:t>
-            </a:r>
-            <a:r>
-              <a:rPr lang="en-US" sz="4800" dirty="0" smtClean="0">
-                <a:solidFill>
-                  <a:srgbClr val="0000FF"/>
-                </a:solidFill>
-              </a:rPr>
-              <a:t> </a:t>
-            </a:r>
-            <a:r>
-              <a:rPr lang="en-US" sz="4800" dirty="0" smtClean="0">
-                <a:solidFill>
-                  <a:schemeClr val="tx2"/>
-                </a:solidFill>
-              </a:rPr>
-              <a:t>&amp;</a:t>
-            </a:r>
-            <a:r>
-              <a:rPr lang="en-US" sz="4800" dirty="0" smtClean="0">
-                <a:solidFill>
-                  <a:srgbClr val="0000FF"/>
-                </a:solidFill>
-              </a:rPr>
-              <a:t> </a:t>
-            </a:r>
-            <a:r>
-              <a:rPr lang="en-US" sz="4800" dirty="0" smtClean="0">
-                <a:solidFill>
-                  <a:srgbClr val="9B2894"/>
-                </a:solidFill>
-              </a:rPr>
-              <a:t>Cumulative Distribution </a:t>
-            </a:r>
-            <a:r>
-              <a:rPr lang="en-US" sz="4800" dirty="0" smtClean="0">
-                <a:solidFill>
-                  <a:srgbClr val="9B2894"/>
-                </a:solidFill>
-              </a:rPr>
-              <a:t>Functions</a:t>
+              <a:t>Cumulative Distribution Functions</a:t>
             </a:r>
             <a:r>
               <a:rPr lang="en-US" sz="4800" dirty="0" smtClean="0">
@@ -4783,20 +4773,24 @@
           <a:p>
             <a:pPr eaLnBrk="1" hangingPunct="1"/>
             <a:r>
+              <a:rPr lang="en-US" sz="5400" dirty="0" smtClean="0"/>
+              <a:t>PDF</a:t>
+            </a:r>
+            <a:r>
+              <a:rPr lang="en-US" sz="5400" baseline="-25000" dirty="0" smtClean="0">
+                <a:solidFill>
+                  <a:srgbClr val="3333FF"/>
+                </a:solidFill>
+              </a:rPr>
+              <a:t>Z</a:t>
+            </a:r>
+            <a:r>
+              <a:rPr lang="en-US" sz="5400" dirty="0" smtClean="0"/>
+              <a:t>(</a:t>
+            </a:r>
+            <a:r>
               <a:rPr lang="en-US" sz="5400" dirty="0" err="1" smtClean="0"/>
-              <a:t>PDF</a:t>
-            </a:r>
-            <a:r>
-              <a:rPr lang="en-US" sz="5400" baseline="-25000" dirty="0" err="1" smtClean="0">
-                <a:solidFill>
-                  <a:srgbClr val="3333FF"/>
-                </a:solidFill>
-              </a:rPr>
-              <a:t>Z</a:t>
-            </a:r>
-            <a:r>
-              <a:rPr lang="en-US" sz="5400" dirty="0" err="1" smtClean="0"/>
-              <a:t>(i</a:t>
+              <a:t>i</a:t>
             </a:r>
             <a:r>
               <a:rPr lang="en-US" sz="5400" dirty="0" smtClean="0"/>
@@ -4812,10 +4806,14 @@
             </a:r>
             <a:r>
               <a:rPr lang="en-US" sz="5400" dirty="0" err="1" smtClean="0"/>
-              <a:t>Pr{</a:t>
-            </a:r>
-            <a:r>
-              <a:rPr lang="en-US" sz="5400" dirty="0" err="1" smtClean="0">
+              <a:t>Pr</a:t>
+            </a:r>
+            <a:r>
+              <a:rPr lang="en-US" sz="5400" dirty="0" smtClean="0"/>
+              <a:t>[</a:t>
+            </a:r>
+            <a:r>
+              <a:rPr lang="en-US" sz="5400" dirty="0" smtClean="0">
                 <a:solidFill>
                   <a:srgbClr val="3333FF"/>
                 </a:solidFill>
@@ -4840,7 +4838,11 @@
             </a:r>
             <a:r>
               <a:rPr lang="en-US" sz="5400" dirty="0" smtClean="0"/>
-              <a:t>} = </a:t>
+              <a:t>] </a:t>
+            </a:r>
+            <a:r>
+              <a:rPr lang="en-US" sz="5400" dirty="0" smtClean="0"/>
+              <a:t>= </a:t>
             </a:r>
             <a:endParaRPr lang="en-US" sz="5400" dirty="0" smtClean="0">
               <a:solidFill>
@@ -4890,7 +4892,7 @@
           <a:graphicData uri="http://schemas.openxmlformats.org/presentationml/2006/ole">
             <mc:AlternateContent xmlns:mc="http://schemas.openxmlformats.org/markup-compatibility/2006">
               <mc:Choice xmlns:v="urn:schemas-microsoft-com:vml" Requires="v">
-                <p:oleObj spid="_x0000_s79909" name="Equation" r:id="rId4" imgW="164880" imgH="393480" progId="Equation.DSMT4">
+                <p:oleObj spid="_x0000_s79911" name="Equation" r:id="rId4" imgW="164880" imgH="393480" progId="Equation.DSMT4">
                   <p:embed/>
                 </p:oleObj>
               </mc:Choice>
@@ -5437,10 +5439,14 @@
             <a:pPr algn="ctr" eaLnBrk="1" hangingPunct="1"/>
             <a:r>
               <a:rPr lang="en-US" dirty="0" err="1" smtClean="0"/>
-              <a:t>Pr{</a:t>
-            </a:r>
-            <a:r>
-              <a:rPr lang="en-US" dirty="0" err="1" smtClean="0">
+              <a:t>Pr</a:t>
+            </a:r>
+            <a:r>
+              <a:rPr lang="en-US" dirty="0" smtClean="0"/>
+              <a:t>[</a:t>
+            </a:r>
+            <a:r>
+              <a:rPr lang="en-US" dirty="0" smtClean="0">
                 <a:solidFill>
                   <a:srgbClr val="3333FF"/>
                 </a:solidFill>
@@ -5449,14 +5455,26 @@
             </a:r>
             <a:r>
               <a:rPr lang="en-US" dirty="0" smtClean="0"/>
-              <a:t>=1} = </a:t>
+              <a:t>=</a:t>
+            </a:r>
+            <a:r>
+              <a:rPr lang="en-US" dirty="0" smtClean="0"/>
+              <a:t>1] </a:t>
+            </a:r>
+            <a:r>
+              <a:rPr lang="en-US" dirty="0" smtClean="0"/>
+              <a:t>= </a:t>
             </a:r>
             <a:r>
               <a:rPr lang="en-US" dirty="0" err="1" smtClean="0"/>
-              <a:t>Pr{</a:t>
-            </a:r>
-            <a:r>
-              <a:rPr lang="en-US" dirty="0" err="1" smtClean="0">
+              <a:t>Pr</a:t>
+            </a:r>
+            <a:r>
+              <a:rPr lang="en-US" dirty="0" smtClean="0"/>
+              <a:t>[</a:t>
+            </a:r>
+            <a:r>
+              <a:rPr lang="en-US" dirty="0" smtClean="0">
                 <a:solidFill>
                   <a:srgbClr val="3333FF"/>
                 </a:solidFill>
@@ -5465,7 +5483,15 @@
             </a:r>
             <a:r>
               <a:rPr lang="en-US" dirty="0" smtClean="0"/>
-              <a:t>=2} =</a:t>
+              <a:t>=</a:t>
+            </a:r>
+            <a:r>
+              <a:rPr lang="en-US" dirty="0" smtClean="0"/>
+              <a:t>2] </a:t>
+            </a:r>
+            <a:r>
+              <a:rPr lang="en-US" dirty="0" smtClean="0"/>
+              <a:t>=</a:t>
             </a:r>
             <a:r>
               <a:rPr lang="en-US" dirty="0" smtClean="0">
@@ -5477,21 +5503,39 @@
               <a:rPr lang="en-US" dirty="0" err="1" smtClean="0">
                 <a:cs typeface="Times New Roman" pitchFamily="18" charset="0"/>
               </a:rPr>
-              <a:t>Pr{</a:t>
-            </a:r>
-            <a:r>
-              <a:rPr lang="en-US" dirty="0" err="1" smtClean="0">
-                <a:solidFill>
-                  <a:srgbClr val="3333FF"/>
-                </a:solidFill>
-              </a:rPr>
-              <a:t>D</a:t>
+              <a:t>Pr</a:t>
             </a:r>
             <a:r>
               <a:rPr lang="en-US" dirty="0" smtClean="0">
                 <a:cs typeface="Times New Roman" pitchFamily="18" charset="0"/>
               </a:rPr>
-              <a:t>=6} = </a:t>
+              <a:t>[</a:t>
+            </a:r>
+            <a:r>
+              <a:rPr lang="en-US" dirty="0" smtClean="0">
+                <a:solidFill>
+                  <a:srgbClr val="3333FF"/>
+                </a:solidFill>
+              </a:rPr>
+              <a:t>D</a:t>
+            </a:r>
+            <a:r>
+              <a:rPr lang="en-US" dirty="0" smtClean="0">
+                <a:cs typeface="Times New Roman" pitchFamily="18" charset="0"/>
+              </a:rPr>
+              <a:t>=</a:t>
+            </a:r>
+            <a:r>
+              <a:rPr lang="en-US" dirty="0" smtClean="0">
+                <a:cs typeface="Times New Roman" pitchFamily="18" charset="0"/>
+              </a:rPr>
+              <a:t>6] </a:t>
+            </a:r>
+            <a:r>
+              <a:rPr lang="en-US" dirty="0" smtClean="0">
+                <a:cs typeface="Times New Roman" pitchFamily="18" charset="0"/>
+              </a:rPr>
+              <a:t>= </a:t>
             </a:r>
             <a:r>
               <a:rPr lang="en-US" dirty="0" smtClean="0">
@@ -5527,10 +5571,14 @@
             <a:pPr algn="ctr" eaLnBrk="1" hangingPunct="1"/>
             <a:r>
               <a:rPr lang="en-US" dirty="0" err="1" smtClean="0"/>
-              <a:t>Pr{</a:t>
-            </a:r>
-            <a:r>
-              <a:rPr lang="en-US" dirty="0" err="1" smtClean="0">
+              <a:t>Pr</a:t>
+            </a:r>
+            <a:r>
+              <a:rPr lang="en-US" dirty="0" smtClean="0"/>
+              <a:t>[</a:t>
+            </a:r>
+            <a:r>
+              <a:rPr lang="en-US" dirty="0" smtClean="0">
                 <a:solidFill>
                   <a:srgbClr val="3333FF"/>
                 </a:solidFill>
@@ -5539,14 +5587,30 @@
             </a:r>
             <a:r>
               <a:rPr lang="en-US" dirty="0" smtClean="0"/>
-              <a:t> = 0000} = </a:t>
+              <a:t> </a:t>
+            </a:r>
+            <a:r>
+              <a:rPr lang="en-US" dirty="0" smtClean="0"/>
+              <a:t>= </a:t>
+            </a:r>
+            <a:r>
+              <a:rPr lang="en-US" dirty="0" smtClean="0"/>
+              <a:t>0000] </a:t>
+            </a:r>
+            <a:r>
+              <a:rPr lang="en-US" dirty="0" smtClean="0"/>
+              <a:t>= </a:t>
             </a:r>
             <a:r>
               <a:rPr lang="en-US" dirty="0" err="1" smtClean="0"/>
-              <a:t>Pr{</a:t>
-            </a:r>
-            <a:r>
-              <a:rPr lang="en-US" dirty="0" err="1" smtClean="0">
+              <a:t>Pr</a:t>
+            </a:r>
+            <a:r>
+              <a:rPr lang="en-US" dirty="0" smtClean="0"/>
+              <a:t>[</a:t>
+            </a:r>
+            <a:r>
+              <a:rPr lang="en-US" dirty="0" smtClean="0">
                 <a:solidFill>
                   <a:srgbClr val="3333FF"/>
                 </a:solidFill>
@@ -5555,7 +5619,19 @@
             </a:r>
             <a:r>
               <a:rPr lang="en-US" dirty="0" smtClean="0"/>
-              <a:t> = 0001} = </a:t>
+              <a:t> </a:t>
+            </a:r>
+            <a:r>
+              <a:rPr lang="en-US" dirty="0" smtClean="0"/>
+              <a:t>= </a:t>
+            </a:r>
+            <a:r>
+              <a:rPr lang="en-US" dirty="0" smtClean="0"/>
+              <a:t>0001] </a:t>
+            </a:r>
+            <a:r>
+              <a:rPr lang="en-US" dirty="0" smtClean="0"/>
+              <a:t>= </a:t>
             </a:r>
             <a:r>
               <a:rPr lang="en-US" dirty="0" smtClean="0">
@@ -5576,10 +5652,16 @@
               <a:rPr lang="en-US" dirty="0" err="1" smtClean="0">
                 <a:cs typeface="Times New Roman" pitchFamily="18" charset="0"/>
               </a:rPr>
-              <a:t>Pr{</a:t>
-            </a:r>
-            <a:r>
-              <a:rPr lang="en-US" dirty="0" err="1" smtClean="0">
+              <a:t>Pr</a:t>
+            </a:r>
+            <a:r>
+              <a:rPr lang="en-US" dirty="0" smtClean="0">
+                <a:cs typeface="Times New Roman" pitchFamily="18" charset="0"/>
+              </a:rPr>
+              <a:t>[</a:t>
+            </a:r>
+            <a:r>
+              <a:rPr lang="en-US" dirty="0" smtClean="0">
                 <a:solidFill>
                   <a:srgbClr val="3333FF"/>
                 </a:solidFill>
@@ -5594,7 +5676,19 @@
               <a:rPr lang="en-US" dirty="0" smtClean="0">
                 <a:cs typeface="Times New Roman" pitchFamily="18" charset="0"/>
               </a:rPr>
-              <a:t>= 9999} =  </a:t>
+              <a:t>= </a:t>
+            </a:r>
+            <a:r>
+              <a:rPr lang="en-US" dirty="0" smtClean="0">
+                <a:cs typeface="Times New Roman" pitchFamily="18" charset="0"/>
+              </a:rPr>
+              <a:t>9999] </a:t>
+            </a:r>
+            <a:r>
+              <a:rPr lang="en-US" dirty="0" smtClean="0">
+                <a:cs typeface="Times New Roman" pitchFamily="18" charset="0"/>
+              </a:rPr>
+              <a:t>=  </a:t>
             </a:r>
             <a:r>
               <a:rPr lang="en-US" dirty="0" smtClean="0">
@@ -7130,34 +7224,16 @@
                 </a:solidFill>
                 <a:cs typeface="Comic Sans MS"/>
               </a:rPr>
-              <a:t> </a:t>
+              <a:t> YES, </a:t>
             </a:r>
             <a:r>
               <a:rPr lang="en-US" sz="6000" dirty="0" smtClean="0">
                 <a:solidFill>
-                  <a:srgbClr val="006600"/>
+                  <a:schemeClr val="tx2"/>
                 </a:solidFill>
                 <a:cs typeface="Comic Sans MS"/>
               </a:rPr>
-              <a:t>YES, </a:t>
-            </a:r>
-            <a:r>
-              <a:rPr lang="en-US" sz="6000" dirty="0" smtClean="0">
-                <a:solidFill>
-                  <a:schemeClr val="tx2"/>
-                </a:solidFill>
-                <a:cs typeface="Comic Sans MS"/>
-              </a:rPr>
-              <a:t>when </a:t>
-            </a:r>
-            <a:r>
-              <a:rPr lang="en-US" sz="6000" dirty="0" smtClean="0">
-                <a:solidFill>
-                  <a:schemeClr val="tx2"/>
-                </a:solidFill>
-                <a:cs typeface="Comic Sans MS"/>
-              </a:rPr>
-              <a:t>one of </a:t>
+              <a:t>when one of </a:t>
             </a:r>
             <a:r>
               <a:rPr lang="en-US" sz="6000" dirty="0" smtClean="0">
@@ -7772,13 +7848,13 @@
   <p:clrMapOvr>
     <a:masterClrMapping/>
   </p:clrMapOvr>
-  <mc:AlternateContent xmlns:mc="http://schemas.openxmlformats.org/markup-compatibility/2006">
-    <mc:Choice xmlns:p14="http://schemas.microsoft.com/office/powerpoint/2010/main" Requires="p14">
+  <mc:AlternateContent xmlns:mc="http://schemas.openxmlformats.org/markup-compatibility/2006" xmlns:p14="http://schemas.microsoft.com/office/powerpoint/2010/main">
+    <mc:Choice Requires="p14">
       <p:transition spd="slow" p14:dur="900" advClick="0">
         <p:fade/>
       </p:transition>
     </mc:Choice>
-    <mc:Fallback>
+    <mc:Fallback xmlns="">
       <p:transition xmlns:p14="http://schemas.microsoft.com/office/powerpoint/2010/main" spd="slow" advClick="0">
         <p:fade/>
       </p:transition>
@@ -8039,7 +8115,7 @@
                   <a:srgbClr val="0000FF"/>
                 </a:solidFill>
               </a:rPr>
-              <a:t>Pr{HHTTH</a:t>
+              <a:t>Pr</a:t>
             </a:r>
             <a:r>
               <a:rPr lang="en-US" dirty="0" smtClean="0">
@@ -8047,7 +8123,7 @@
                   <a:srgbClr val="0000FF"/>
                 </a:solidFill>
               </a:rPr>
-              <a:t>}</a:t>
+              <a:t>[HHTTH]</a:t>
             </a:r>
             <a:r>
               <a:rPr lang="en-US" dirty="0" smtClean="0"/>
@@ -8081,7 +8157,7 @@
                   <a:srgbClr val="0000FF"/>
                 </a:solidFill>
               </a:rPr>
-              <a:t>Pr{H}⋅Pr{H}⋅Pr{T}⋅Pr{T}⋅Pr{H</a:t>
+              <a:t>Pr</a:t>
             </a:r>
             <a:r>
               <a:rPr lang="en-US" dirty="0" smtClean="0">
@@ -8089,8 +8165,85 @@
                   <a:srgbClr val="0000FF"/>
                 </a:solidFill>
               </a:rPr>
-              <a:t>}</a:t>
-            </a:r>
+              <a:t>[H</a:t>
+            </a:r>
+            <a:r>
+              <a:rPr lang="en-US" dirty="0" smtClean="0">
+                <a:solidFill>
+                  <a:srgbClr val="0000FF"/>
+                </a:solidFill>
+              </a:rPr>
+              <a:t>}⋅</a:t>
+            </a:r>
+            <a:r>
+              <a:rPr lang="en-US" dirty="0" err="1" smtClean="0">
+                <a:solidFill>
+                  <a:srgbClr val="0000FF"/>
+                </a:solidFill>
+              </a:rPr>
+              <a:t>Pr</a:t>
+            </a:r>
+            <a:r>
+              <a:rPr lang="en-US" dirty="0" smtClean="0">
+                <a:solidFill>
+                  <a:srgbClr val="0000FF"/>
+                </a:solidFill>
+              </a:rPr>
+              <a:t>[H]⋅</a:t>
+            </a:r>
+            <a:r>
+              <a:rPr lang="en-US" dirty="0" err="1" smtClean="0">
+                <a:solidFill>
+                  <a:srgbClr val="0000FF"/>
+                </a:solidFill>
+              </a:rPr>
+              <a:t>Pr</a:t>
+            </a:r>
+            <a:r>
+              <a:rPr lang="en-US" dirty="0" smtClean="0">
+                <a:solidFill>
+                  <a:srgbClr val="0000FF"/>
+                </a:solidFill>
+              </a:rPr>
+              <a:t>[T]⋅</a:t>
+            </a:r>
+            <a:r>
+              <a:rPr lang="en-US" dirty="0" err="1" smtClean="0">
+                <a:solidFill>
+                  <a:srgbClr val="0000FF"/>
+                </a:solidFill>
+              </a:rPr>
+              <a:t>Pr</a:t>
+            </a:r>
+            <a:r>
+              <a:rPr lang="en-US" dirty="0" smtClean="0">
+                <a:solidFill>
+                  <a:srgbClr val="0000FF"/>
+                </a:solidFill>
+              </a:rPr>
+              <a:t>[T]⋅</a:t>
+            </a:r>
+            <a:r>
+              <a:rPr lang="en-US" dirty="0" err="1" smtClean="0">
+                <a:solidFill>
+                  <a:srgbClr val="0000FF"/>
+                </a:solidFill>
+              </a:rPr>
+              <a:t>Pr</a:t>
+            </a:r>
+            <a:r>
+              <a:rPr lang="en-US" dirty="0" smtClean="0">
+                <a:solidFill>
+                  <a:srgbClr val="0000FF"/>
+                </a:solidFill>
+              </a:rPr>
+              <a:t>[H]</a:t>
+            </a:r>
+            <a:endParaRPr lang="en-US" dirty="0" smtClean="0">
+              <a:solidFill>
+                <a:srgbClr val="0000FF"/>
+              </a:solidFill>
+            </a:endParaRPr>
           </a:p>
           <a:p>
             <a:pPr eaLnBrk="1" hangingPunct="1"/>
@@ -8588,7 +8741,7 @@
         </p:nvSpPr>
         <p:spPr>
           <a:xfrm>
-            <a:off x="137588" y="984253"/>
+            <a:off x="147357" y="984253"/>
             <a:ext cx="8889181" cy="5609978"/>
           </a:xfrm>
         </p:spPr>
@@ -8752,7 +8905,7 @@
                   <a:srgbClr val="0000FF"/>
                 </a:solidFill>
               </a:rPr>
-              <a:t>{HHTTH}</a:t>
+              <a:t>[HHTTH]</a:t>
             </a:r>
             <a:r>
               <a:rPr lang="en-US" dirty="0" smtClean="0"/>
@@ -8800,7 +8953,7 @@
           <a:graphicData uri="http://schemas.openxmlformats.org/presentationml/2006/ole">
             <mc:AlternateContent xmlns:mc="http://schemas.openxmlformats.org/markup-compatibility/2006">
               <mc:Choice xmlns:v="urn:schemas-microsoft-com:vml" Requires="v">
-                <p:oleObj spid="_x0000_s648230" name="Equation" r:id="rId4" imgW="1790700" imgH="469900" progId="Equation.DSMT4">
+                <p:oleObj spid="_x0000_s648232" name="Equation" r:id="rId4" imgW="1790700" imgH="469900" progId="Equation.DSMT4">
                   <p:embed/>
                 </p:oleObj>
               </mc:Choice>
@@ -9213,7 +9366,7 @@
                   <a:srgbClr val="0000FF"/>
                 </a:solidFill>
               </a:rPr>
-              <a:t>{HHTTH}</a:t>
+              <a:t>[HHTTH]</a:t>
             </a:r>
             <a:r>
               <a:rPr lang="en-US" dirty="0" smtClean="0"/>
@@ -9252,7 +9405,7 @@
           <a:graphicData uri="http://schemas.openxmlformats.org/presentationml/2006/ole">
             <mc:AlternateContent xmlns:mc="http://schemas.openxmlformats.org/markup-compatibility/2006">
               <mc:Choice xmlns:v="urn:schemas-microsoft-com:vml" Requires="v">
-                <p:oleObj spid="_x0000_s677925" name="Equation" r:id="rId4" imgW="660400" imgH="596900" progId="Equation.DSMT4">
+                <p:oleObj spid="_x0000_s677927" name="Equation" r:id="rId4" imgW="660400" imgH="596900" progId="Equation.DSMT4">
                   <p:embed/>
                 </p:oleObj>
               </mc:Choice>
@@ -9543,15 +9696,59 @@
                   <a:srgbClr val="0000FF"/>
                 </a:solidFill>
               </a:rPr>
-              <a:t>Pr{</a:t>
+              <a:t>Pr</a:t>
+            </a:r>
+            <a:r>
+              <a:rPr lang="en-US" dirty="0" smtClean="0">
+                <a:solidFill>
+                  <a:srgbClr val="0000FF"/>
+                </a:solidFill>
+              </a:rPr>
+              <a:t>[</a:t>
+            </a:r>
+            <a:r>
+              <a:rPr lang="en-US" dirty="0" smtClean="0">
+                <a:solidFill>
+                  <a:srgbClr val="000000"/>
+                </a:solidFill>
+              </a:rPr>
+              <a:t>each</a:t>
+            </a:r>
+            <a:r>
+              <a:rPr lang="en-US" dirty="0" smtClean="0">
+                <a:solidFill>
+                  <a:srgbClr val="0000FF"/>
+                </a:solidFill>
+              </a:rPr>
+              <a:t> </a:t>
+            </a:r>
+            <a:r>
+              <a:rPr lang="en-US" dirty="0" smtClean="0"/>
+              <a:t>sequence w/</a:t>
             </a:r>
             <a:r>
               <a:rPr lang="en-US" dirty="0" err="1" smtClean="0">
                 <a:solidFill>
+                  <a:srgbClr val="0000FF"/>
+                </a:solidFill>
+              </a:rPr>
+              <a:t>i</a:t>
+            </a:r>
+            <a:r>
+              <a:rPr lang="en-US" dirty="0" smtClean="0">
+                <a:solidFill>
+                  <a:srgbClr val="0000FF"/>
+                </a:solidFill>
+              </a:rPr>
+              <a:t> H</a:t>
+            </a:r>
+            <a:r>
+              <a:rPr lang="en-US" dirty="0" smtClean="0">
+                <a:solidFill>
                   <a:srgbClr val="000000"/>
                 </a:solidFill>
               </a:rPr>
-              <a:t>each</a:t>
+              <a:t>’s,</a:t>
             </a:r>
             <a:r>
               <a:rPr lang="en-US" dirty="0" smtClean="0">
@@ -9559,83 +9756,55 @@
                   <a:srgbClr val="0000FF"/>
                 </a:solidFill>
               </a:rPr>
+              <a:t> n-</a:t>
+            </a:r>
+            <a:r>
+              <a:rPr lang="en-US" dirty="0" err="1" smtClean="0">
+                <a:solidFill>
+                  <a:srgbClr val="0000FF"/>
+                </a:solidFill>
+              </a:rPr>
+              <a:t>i</a:t>
+            </a:r>
+            <a:r>
+              <a:rPr lang="en-US" dirty="0" smtClean="0">
+                <a:solidFill>
+                  <a:srgbClr val="0000FF"/>
+                </a:solidFill>
+              </a:rPr>
               <a:t> </a:t>
             </a:r>
             <a:r>
+              <a:rPr lang="en-US" dirty="0" smtClean="0">
+                <a:solidFill>
+                  <a:srgbClr val="0000FF"/>
+                </a:solidFill>
+              </a:rPr>
+              <a:t>T</a:t>
+            </a:r>
+            <a:r>
+              <a:rPr lang="en-US" dirty="0" smtClean="0">
+                <a:solidFill>
+                  <a:srgbClr val="000000"/>
+                </a:solidFill>
+              </a:rPr>
+              <a:t>’s</a:t>
+            </a:r>
+            <a:r>
+              <a:rPr lang="en-US" dirty="0" smtClean="0">
+                <a:solidFill>
+                  <a:srgbClr val="0000FF"/>
+                </a:solidFill>
+              </a:rPr>
+              <a:t>]</a:t>
+            </a:r>
+            <a:r>
               <a:rPr lang="en-US" dirty="0" smtClean="0"/>
-              <a:t>sequence </a:t>
-            </a:r>
-            <a:r>
-              <a:rPr lang="en-US" dirty="0" err="1" smtClean="0"/>
-              <a:t>w/</a:t>
-            </a:r>
-            <a:r>
-              <a:rPr lang="en-US" dirty="0" err="1" smtClean="0">
-                <a:solidFill>
-                  <a:srgbClr val="0000FF"/>
-                </a:solidFill>
-              </a:rPr>
-              <a:t>i</a:t>
-            </a:r>
-            <a:r>
-              <a:rPr lang="en-US" dirty="0" smtClean="0">
-                <a:solidFill>
-                  <a:srgbClr val="0000FF"/>
-                </a:solidFill>
-              </a:rPr>
-              <a:t> H</a:t>
-            </a:r>
-            <a:r>
-              <a:rPr lang="en-US" dirty="0" smtClean="0">
-                <a:solidFill>
-                  <a:srgbClr val="000000"/>
-                </a:solidFill>
-              </a:rPr>
-              <a:t>’s,</a:t>
-            </a:r>
-            <a:r>
-              <a:rPr lang="en-US" dirty="0" smtClean="0">
-                <a:solidFill>
-                  <a:srgbClr val="0000FF"/>
-                </a:solidFill>
-              </a:rPr>
               <a:t> </a:t>
             </a:r>
             <a:r>
-              <a:rPr lang="en-US" dirty="0" err="1" smtClean="0">
-                <a:solidFill>
-                  <a:srgbClr val="0000FF"/>
-                </a:solidFill>
-              </a:rPr>
-              <a:t>n-i</a:t>
-            </a:r>
-            <a:r>
-              <a:rPr lang="en-US" dirty="0" smtClean="0">
-                <a:solidFill>
-                  <a:srgbClr val="0000FF"/>
-                </a:solidFill>
-              </a:rPr>
-              <a:t> T</a:t>
-            </a:r>
-            <a:r>
-              <a:rPr lang="en-US" dirty="0" smtClean="0">
-                <a:solidFill>
-                  <a:srgbClr val="000000"/>
-                </a:solidFill>
-              </a:rPr>
-              <a:t>’s</a:t>
-            </a:r>
-            <a:r>
-              <a:rPr lang="en-US" dirty="0" smtClean="0">
-                <a:solidFill>
-                  <a:srgbClr val="0000FF"/>
-                </a:solidFill>
-              </a:rPr>
-              <a:t>}</a:t>
-            </a:r>
-            <a:r>
               <a:rPr lang="en-US" dirty="0" smtClean="0"/>
-              <a:t> =</a:t>
+              <a:t>=</a:t>
             </a:r>
             <a:endParaRPr lang="en-US" dirty="0" smtClean="0">
               <a:solidFill>
@@ -9661,7 +9830,7 @@
           <a:graphicData uri="http://schemas.openxmlformats.org/presentationml/2006/ole">
             <mc:AlternateContent xmlns:mc="http://schemas.openxmlformats.org/markup-compatibility/2006">
               <mc:Choice xmlns:v="urn:schemas-microsoft-com:vml" Requires="v">
-                <p:oleObj spid="_x0000_s100389" name="Equation" r:id="rId4" imgW="711200" imgH="393700" progId="Equation.DSMT4">
+                <p:oleObj spid="_x0000_s100391" name="Equation" r:id="rId4" imgW="711200" imgH="393700" progId="Equation.DSMT4">
                   <p:embed/>
                 </p:oleObj>
               </mc:Choice>
@@ -10024,15 +10193,55 @@
                   <a:srgbClr val="0000FF"/>
                 </a:solidFill>
               </a:rPr>
-              <a:t>Pr{</a:t>
+              <a:t>Pr</a:t>
+            </a:r>
+            <a:r>
+              <a:rPr lang="en-US" dirty="0" smtClean="0">
+                <a:solidFill>
+                  <a:srgbClr val="0000FF"/>
+                </a:solidFill>
+              </a:rPr>
+              <a:t>[</a:t>
+            </a:r>
+            <a:r>
+              <a:rPr lang="en-US" dirty="0" smtClean="0">
+                <a:solidFill>
+                  <a:srgbClr val="000000"/>
+                </a:solidFill>
+              </a:rPr>
+              <a:t>get</a:t>
+            </a:r>
+            <a:r>
+              <a:rPr lang="en-US" dirty="0" smtClean="0">
+                <a:solidFill>
+                  <a:srgbClr val="0000FF"/>
+                </a:solidFill>
+              </a:rPr>
+              <a:t> </a:t>
             </a:r>
             <a:r>
               <a:rPr lang="en-US" dirty="0" err="1" smtClean="0">
                 <a:solidFill>
+                  <a:srgbClr val="0000FF"/>
+                </a:solidFill>
+              </a:rPr>
+              <a:t>i</a:t>
+            </a:r>
+            <a:r>
+              <a:rPr lang="en-US" dirty="0" smtClean="0">
+                <a:solidFill>
+                  <a:srgbClr val="0000FF"/>
+                </a:solidFill>
+              </a:rPr>
+              <a:t> H</a:t>
+            </a:r>
+            <a:r>
+              <a:rPr lang="en-US" dirty="0" smtClean="0">
+                <a:solidFill>
                   <a:srgbClr val="000000"/>
                 </a:solidFill>
               </a:rPr>
-              <a:t>get</a:t>
+              <a:t>’s,</a:t>
             </a:r>
             <a:r>
               <a:rPr lang="en-US" dirty="0" smtClean="0">
@@ -10040,79 +10249,67 @@
                   <a:srgbClr val="0000FF"/>
                 </a:solidFill>
               </a:rPr>
+              <a:t> n-</a:t>
+            </a:r>
+            <a:r>
+              <a:rPr lang="en-US" dirty="0" err="1" smtClean="0">
+                <a:solidFill>
+                  <a:srgbClr val="0000FF"/>
+                </a:solidFill>
+              </a:rPr>
+              <a:t>i</a:t>
+            </a:r>
+            <a:r>
+              <a:rPr lang="en-US" dirty="0" smtClean="0">
+                <a:solidFill>
+                  <a:srgbClr val="0000FF"/>
+                </a:solidFill>
+              </a:rPr>
               <a:t> </a:t>
             </a:r>
             <a:r>
-              <a:rPr lang="en-US" dirty="0" err="1" smtClean="0">
+              <a:rPr lang="en-US" dirty="0" smtClean="0">
                 <a:solidFill>
                   <a:srgbClr val="0000FF"/>
                 </a:solidFill>
               </a:rPr>
-              <a:t>i</a:t>
+              <a:t>T</a:t>
             </a:r>
             <a:r>
               <a:rPr lang="en-US" dirty="0" smtClean="0">
                 <a:solidFill>
+                  <a:srgbClr val="000000"/>
+                </a:solidFill>
+              </a:rPr>
+              <a:t>’s</a:t>
+            </a:r>
+            <a:r>
+              <a:rPr lang="en-US" dirty="0" smtClean="0">
+                <a:solidFill>
                   <a:srgbClr val="0000FF"/>
                 </a:solidFill>
               </a:rPr>
-              <a:t> H</a:t>
-            </a:r>
-            <a:r>
-              <a:rPr lang="en-US" dirty="0" smtClean="0">
-                <a:solidFill>
-                  <a:srgbClr val="000000"/>
-                </a:solidFill>
-              </a:rPr>
-              <a:t>’s,</a:t>
-            </a:r>
-            <a:r>
-              <a:rPr lang="en-US" dirty="0" smtClean="0">
-                <a:solidFill>
-                  <a:srgbClr val="0000FF"/>
-                </a:solidFill>
-              </a:rPr>
+              <a:t>]</a:t>
+            </a:r>
+            <a:r>
+              <a:rPr lang="en-US" dirty="0" smtClean="0"/>
               <a:t> </a:t>
             </a:r>
             <a:r>
-              <a:rPr lang="en-US" dirty="0" err="1" smtClean="0">
-                <a:solidFill>
-                  <a:srgbClr val="0000FF"/>
-                </a:solidFill>
-              </a:rPr>
-              <a:t>n-i</a:t>
-            </a:r>
-            <a:r>
-              <a:rPr lang="en-US" dirty="0" smtClean="0">
-                <a:solidFill>
-                  <a:srgbClr val="0000FF"/>
-                </a:solidFill>
-              </a:rPr>
-              <a:t> T</a:t>
-            </a:r>
-            <a:r>
-              <a:rPr lang="en-US" dirty="0" smtClean="0">
-                <a:solidFill>
-                  <a:srgbClr val="000000"/>
-                </a:solidFill>
-              </a:rPr>
-              <a:t>’s</a:t>
-            </a:r>
-            <a:r>
-              <a:rPr lang="en-US" dirty="0" smtClean="0">
-                <a:solidFill>
-                  <a:srgbClr val="0000FF"/>
-                </a:solidFill>
-              </a:rPr>
-              <a:t>}</a:t>
-            </a:r>
-            <a:r>
               <a:rPr lang="en-US" dirty="0" smtClean="0"/>
-              <a:t> = #</a:t>
+              <a:t>= #</a:t>
             </a:r>
             <a:r>
               <a:rPr lang="en-US" dirty="0" err="1" smtClean="0"/>
-              <a:t>seq’s⋅pr[seq</a:t>
+              <a:t>seq’s⋅pr</a:t>
+            </a:r>
+            <a:r>
+              <a:rPr lang="en-US" dirty="0" smtClean="0"/>
+              <a:t>[</a:t>
+            </a:r>
+            <a:r>
+              <a:rPr lang="en-US" dirty="0" err="1" smtClean="0"/>
+              <a:t>seq</a:t>
             </a:r>
             <a:r>
               <a:rPr lang="en-US" dirty="0" smtClean="0"/>
@@ -10142,7 +10339,7 @@
           <a:graphicData uri="http://schemas.openxmlformats.org/presentationml/2006/ole">
             <mc:AlternateContent xmlns:mc="http://schemas.openxmlformats.org/markup-compatibility/2006">
               <mc:Choice xmlns:v="urn:schemas-microsoft-com:vml" Requires="v">
-                <p:oleObj spid="_x0000_s122918" name="Equation" r:id="rId4" imgW="901700" imgH="533400" progId="Equation.DSMT4">
+                <p:oleObj spid="_x0000_s122920" name="Equation" r:id="rId4" imgW="901700" imgH="533400" progId="Equation.DSMT4">
                   <p:embed/>
                 </p:oleObj>
               </mc:Choice>
@@ -10513,7 +10710,7 @@
                   <a:srgbClr val="0000FF"/>
                 </a:solidFill>
               </a:rPr>
-              <a:t>{</a:t>
+              <a:t>[</a:t>
             </a:r>
             <a:r>
               <a:rPr lang="en-US" dirty="0" smtClean="0">
@@ -10537,11 +10734,15 @@
                   <a:srgbClr val="0000FF"/>
                 </a:solidFill>
               </a:rPr>
-              <a:t>}</a:t>
+              <a:t>]</a:t>
             </a:r>
             <a:r>
               <a:rPr lang="en-US" dirty="0" smtClean="0"/>
-              <a:t> = #</a:t>
+              <a:t> </a:t>
+            </a:r>
+            <a:r>
+              <a:rPr lang="en-US" dirty="0" smtClean="0"/>
+              <a:t>= #</a:t>
             </a:r>
             <a:r>
               <a:rPr lang="en-US" dirty="0" err="1" smtClean="0"/>
@@ -10775,7 +10976,7 @@
           <a:p>
             <a:pPr algn="ctr" eaLnBrk="1" hangingPunct="1"/>
             <a:r>
-              <a:rPr lang="en-US" sz="5400" dirty="0" err="1" smtClean="0">
+              <a:rPr lang="en-US" sz="5400" dirty="0" smtClean="0">
                 <a:solidFill>
                   <a:srgbClr val="9B2894"/>
                 </a:solidFill>
@@ -10783,7 +10984,7 @@
               <a:t>PDF</a:t>
             </a:r>
             <a:r>
-              <a:rPr lang="en-US" sz="5400" baseline="-25000" dirty="0" err="1" smtClean="0">
+              <a:rPr lang="en-US" sz="5400" baseline="-25000" dirty="0" smtClean="0">
                 <a:solidFill>
                   <a:srgbClr val="3333FF"/>
                 </a:solidFill>
@@ -10791,11 +10992,11 @@
               <a:t>R</a:t>
             </a:r>
             <a:r>
-              <a:rPr lang="en-US" sz="5400" dirty="0" err="1" smtClean="0"/>
+              <a:rPr lang="en-US" sz="5400" dirty="0" smtClean="0"/>
               <a:t>(</a:t>
             </a:r>
             <a:r>
-              <a:rPr lang="en-US" sz="5400" dirty="0" err="1" smtClean="0">
+              <a:rPr lang="en-US" sz="5400" dirty="0" smtClean="0">
                 <a:solidFill>
                   <a:srgbClr val="3333FF"/>
                 </a:solidFill>
@@ -10816,23 +11017,19 @@
             </a:r>
             <a:r>
               <a:rPr lang="en-US" sz="5400" dirty="0" err="1" smtClean="0"/>
-              <a:t>Pr{</a:t>
-            </a:r>
-            <a:r>
-              <a:rPr lang="en-US" sz="5400" dirty="0" err="1" smtClean="0">
+              <a:t>Pr</a:t>
+            </a:r>
+            <a:r>
+              <a:rPr lang="en-US" sz="5400" dirty="0" smtClean="0"/>
+              <a:t>[</a:t>
+            </a:r>
+            <a:r>
+              <a:rPr lang="en-US" sz="5400" dirty="0" smtClean="0">
                 <a:solidFill>
                   <a:srgbClr val="3333FF"/>
                 </a:solidFill>
               </a:rPr>
-              <a:t>R</a:t>
-            </a:r>
-            <a:r>
-              <a:rPr lang="en-US" sz="5400" dirty="0" smtClean="0">
-                <a:solidFill>
-                  <a:srgbClr val="3333FF"/>
-                </a:solidFill>
-              </a:rPr>
-              <a:t> </a:t>
+              <a:t>R </a:t>
             </a:r>
             <a:r>
               <a:rPr lang="en-US" sz="5400" dirty="0" smtClean="0"/>
@@ -10848,8 +11045,9 @@
             </a:r>
             <a:r>
               <a:rPr lang="en-US" sz="5400" dirty="0" smtClean="0"/>
-              <a:t>}</a:t>
-            </a:r>
+              <a:t>]</a:t>
+            </a:r>
+            <a:endParaRPr lang="en-US" sz="5400" dirty="0" smtClean="0"/>
           </a:p>
           <a:p>
             <a:pPr eaLnBrk="1" hangingPunct="1"/>
@@ -10882,7 +11080,7 @@
           <a:graphicData uri="http://schemas.openxmlformats.org/presentationml/2006/ole">
             <mc:AlternateContent xmlns:mc="http://schemas.openxmlformats.org/markup-compatibility/2006">
               <mc:Choice xmlns:v="urn:schemas-microsoft-com:vml" Requires="v">
-                <p:oleObj spid="_x0000_s104486" name="Equation" r:id="rId4" imgW="1663700" imgH="533400" progId="Equation.DSMT4">
+                <p:oleObj spid="_x0000_s104488" name="Equation" r:id="rId4" imgW="1663700" imgH="533400" progId="Equation.DSMT4">
                   <p:embed/>
                 </p:oleObj>
               </mc:Choice>
@@ -11319,7 +11517,7 @@
             </a:r>
             <a:r>
               <a:rPr lang="en-US" sz="5400" dirty="0" smtClean="0"/>
-              <a:t>{</a:t>
+              <a:t>[</a:t>
             </a:r>
             <a:r>
               <a:rPr lang="en-US" sz="5400" dirty="0" smtClean="0">
@@ -11343,8 +11541,9 @@
             </a:r>
             <a:r>
               <a:rPr lang="en-US" sz="5400" dirty="0" smtClean="0"/>
-              <a:t>}</a:t>
-            </a:r>
+              <a:t>]</a:t>
+            </a:r>
+            <a:endParaRPr lang="en-US" sz="5400" dirty="0" smtClean="0"/>
           </a:p>
           <a:p>
             <a:pPr eaLnBrk="1" hangingPunct="1"/>
@@ -11407,15 +11606,15 @@
               <a:t> </a:t>
             </a:r>
             <a:r>
-              <a:rPr lang="en-US" sz="5400" dirty="0" err="1"/>
+              <a:rPr lang="en-US" sz="5400" dirty="0" err="1" smtClean="0"/>
               <a:t>Pr</a:t>
             </a:r>
             <a:r>
-              <a:rPr lang="en-US" sz="5400" dirty="0"/>
-              <a:t>{</a:t>
-            </a:r>
-            <a:r>
-              <a:rPr lang="en-US" sz="5400" dirty="0">
+              <a:rPr lang="en-US" sz="5400" dirty="0" smtClean="0"/>
+              <a:t>[</a:t>
+            </a:r>
+            <a:r>
+              <a:rPr lang="en-US" sz="5400" dirty="0" smtClean="0">
                 <a:solidFill>
                   <a:srgbClr val="3333FF"/>
                 </a:solidFill>
@@ -11423,7 +11622,7 @@
               <a:t>R</a:t>
             </a:r>
             <a:r>
-              <a:rPr lang="en-US" sz="5400" dirty="0"/>
+              <a:rPr lang="en-US" sz="5400" dirty="0" smtClean="0"/>
               <a:t> </a:t>
             </a:r>
             <a:r>
@@ -11439,7 +11638,7 @@
               <a:t> </a:t>
             </a:r>
             <a:r>
-              <a:rPr lang="en-US" sz="5400" dirty="0">
+              <a:rPr lang="en-US" sz="5400" dirty="0" smtClean="0">
                 <a:solidFill>
                   <a:srgbClr val="3333FF"/>
                 </a:solidFill>
@@ -11448,7 +11647,7 @@
             </a:r>
             <a:r>
               <a:rPr lang="en-US" sz="5400" dirty="0" smtClean="0"/>
-              <a:t>}</a:t>
+              <a:t>]</a:t>
             </a:r>
             <a:endParaRPr lang="en-US" sz="5400" dirty="0">
               <a:solidFill>
@@ -11468,13 +11667,13 @@
   <p:clrMapOvr>
     <a:masterClrMapping/>
   </p:clrMapOvr>
-  <mc:AlternateContent xmlns:mc="http://schemas.openxmlformats.org/markup-compatibility/2006">
-    <mc:Choice xmlns:p14="http://schemas.microsoft.com/office/powerpoint/2010/main" Requires="p14">
+  <mc:AlternateContent xmlns:mc="http://schemas.openxmlformats.org/markup-compatibility/2006" xmlns:p14="http://schemas.microsoft.com/office/powerpoint/2010/main">
+    <mc:Choice Requires="p14">
       <p:transition spd="med" p14:dur="700" advClick="0">
         <p:fade/>
       </p:transition>
     </mc:Choice>
-    <mc:Fallback>
+    <mc:Fallback xmlns="">
       <p:transition xmlns:p14="http://schemas.microsoft.com/office/powerpoint/2010/main" spd="med" advClick="0">
         <p:fade/>
       </p:transition>
